--- a/PC Talk.pptx
+++ b/PC Talk.pptx
@@ -67,23 +67,23 @@
       <p:bold r:id="rId53"/>
     </p:embeddedFont>
     <p:embeddedFont>
-      <p:font typeface="Cabin" panose="00000500000000000000" pitchFamily="2" charset="0"/>
+      <p:font typeface="Consolas" panose="020B0609020204030204" pitchFamily="49" charset="0"/>
       <p:regular r:id="rId54"/>
       <p:bold r:id="rId55"/>
       <p:italic r:id="rId56"/>
       <p:boldItalic r:id="rId57"/>
     </p:embeddedFont>
     <p:embeddedFont>
-      <p:font typeface="Consolas" panose="020B0609020204030204" pitchFamily="49" charset="0"/>
+      <p:font typeface="Droid Sans" panose="020B0604020202020204" charset="0"/>
       <p:regular r:id="rId58"/>
       <p:bold r:id="rId59"/>
-      <p:italic r:id="rId60"/>
-      <p:boldItalic r:id="rId61"/>
     </p:embeddedFont>
     <p:embeddedFont>
-      <p:font typeface="Droid Sans" panose="020B0604020202020204" charset="0"/>
-      <p:regular r:id="rId62"/>
-      <p:bold r:id="rId63"/>
+      <p:font typeface="Cabin" panose="00000500000000000000" pitchFamily="2" charset="0"/>
+      <p:regular r:id="rId60"/>
+      <p:bold r:id="rId61"/>
+      <p:italic r:id="rId62"/>
+      <p:boldItalic r:id="rId63"/>
     </p:embeddedFont>
   </p:embeddedFontLst>
   <p:defaultTextStyle>
@@ -288,6 +288,11 @@
       </a:defRPr>
     </a:lvl9pPr>
   </p:defaultTextStyle>
+  <p:extLst>
+    <p:ext uri="{EFAFB233-063F-42B5-8137-9DF3F51BA10A}">
+      <p15:sldGuideLst xmlns:p15="http://schemas.microsoft.com/office/powerpoint/2012/main"/>
+    </p:ext>
+  </p:extLst>
 </p:presentation>
 </file>
 
@@ -582,7 +587,7 @@
         </p:nvSpPr>
         <p:spPr>
           <a:xfrm>
-            <a:off x="381300" y="685800"/>
+            <a:off x="381000" y="685800"/>
             <a:ext cx="6096000" cy="3429000"/>
           </a:xfrm>
           <a:custGeom>
@@ -1748,7 +1753,7 @@
         </p:nvSpPr>
         <p:spPr>
           <a:xfrm>
-            <a:off x="381300" y="685800"/>
+            <a:off x="381000" y="685800"/>
             <a:ext cx="6096000" cy="3429000"/>
           </a:xfrm>
           <a:custGeom>
@@ -2914,7 +2919,7 @@
         </p:nvSpPr>
         <p:spPr>
           <a:xfrm>
-            <a:off x="381300" y="685800"/>
+            <a:off x="381000" y="685800"/>
             <a:ext cx="6096000" cy="3429000"/>
           </a:xfrm>
           <a:custGeom>
@@ -5246,7 +5251,7 @@
         </p:nvSpPr>
         <p:spPr>
           <a:xfrm>
-            <a:off x="381300" y="685800"/>
+            <a:off x="381000" y="685800"/>
             <a:ext cx="6096000" cy="3429000"/>
           </a:xfrm>
           <a:custGeom>
@@ -5352,7 +5357,7 @@
         </p:nvSpPr>
         <p:spPr>
           <a:xfrm>
-            <a:off x="381300" y="685800"/>
+            <a:off x="381000" y="685800"/>
             <a:ext cx="6096000" cy="3429000"/>
           </a:xfrm>
           <a:custGeom>
@@ -5458,7 +5463,7 @@
         </p:nvSpPr>
         <p:spPr>
           <a:xfrm>
-            <a:off x="381300" y="685800"/>
+            <a:off x="381000" y="685800"/>
             <a:ext cx="6096000" cy="3429000"/>
           </a:xfrm>
           <a:custGeom>
@@ -5564,7 +5569,7 @@
         </p:nvSpPr>
         <p:spPr>
           <a:xfrm>
-            <a:off x="381300" y="685800"/>
+            <a:off x="381000" y="685800"/>
             <a:ext cx="6096000" cy="3429000"/>
           </a:xfrm>
           <a:custGeom>
@@ -5670,7 +5675,7 @@
         </p:nvSpPr>
         <p:spPr>
           <a:xfrm>
-            <a:off x="381300" y="685800"/>
+            <a:off x="381000" y="685800"/>
             <a:ext cx="6096000" cy="3429000"/>
           </a:xfrm>
           <a:custGeom>
@@ -14878,11 +14883,6 @@
               </a:rPr>
               <a:t>The best code, then, is code that isn’t written</a:t>
             </a:r>
-            <a:endParaRPr lang="en-GB" dirty="0" smtClean="0">
-              <a:solidFill>
-                <a:schemeClr val="dk1"/>
-              </a:solidFill>
-            </a:endParaRPr>
           </a:p>
           <a:p>
             <a:pPr marL="432000" marR="0" lvl="0" indent="-381000" algn="l" rtl="0">
@@ -15307,11 +15307,6 @@
               </a:rPr>
               <a:t>Building simple systems requires large efforts</a:t>
             </a:r>
-            <a:endParaRPr lang="en-GB" dirty="0" smtClean="0">
-              <a:solidFill>
-                <a:schemeClr val="dk1"/>
-              </a:solidFill>
-            </a:endParaRPr>
           </a:p>
           <a:p>
             <a:pPr marL="432000" marR="0" lvl="0" indent="-381000" algn="l" rtl="0">
@@ -15823,11 +15818,6 @@
               </a:rPr>
               <a:t>Functional programming</a:t>
             </a:r>
-            <a:endParaRPr lang="en-GB" dirty="0" smtClean="0">
-              <a:solidFill>
-                <a:schemeClr val="dk1"/>
-              </a:solidFill>
-            </a:endParaRPr>
           </a:p>
           <a:p>
             <a:pPr marL="432000" marR="0" lvl="0" indent="-381000" algn="l" rtl="0">
@@ -16252,11 +16242,6 @@
               </a:rPr>
               <a:t>Object: state + procedures for state access and manipulation</a:t>
             </a:r>
-            <a:endParaRPr lang="en-GB" dirty="0" smtClean="0">
-              <a:solidFill>
-                <a:schemeClr val="dk1"/>
-              </a:solidFill>
-            </a:endParaRPr>
           </a:p>
           <a:p>
             <a:pPr marL="432000" marR="0" lvl="0" indent="-381000" algn="l" rtl="0">
@@ -17514,11 +17499,6 @@
               </a:rPr>
               <a:t> imperative) programs suffer from both state-derived and control-derived complexity</a:t>
             </a:r>
-            <a:endParaRPr lang="en-GB" dirty="0" smtClean="0">
-              <a:solidFill>
-                <a:schemeClr val="dk1"/>
-              </a:solidFill>
-            </a:endParaRPr>
           </a:p>
         </p:txBody>
       </p:sp>
@@ -17764,11 +17744,6 @@
               </a:rPr>
               <a:t>Explicit attempt to avoid state</a:t>
             </a:r>
-            <a:endParaRPr lang="en-GB" dirty="0" smtClean="0">
-              <a:solidFill>
-                <a:schemeClr val="dk1"/>
-              </a:solidFill>
-            </a:endParaRPr>
           </a:p>
           <a:p>
             <a:pPr marL="432000" marR="0" lvl="0" indent="-381000" algn="l" rtl="0">
@@ -18165,11 +18140,6 @@
               </a:rPr>
               <a:t>Functional programs still implicitly specify control</a:t>
             </a:r>
-            <a:endParaRPr lang="en-GB" dirty="0" smtClean="0">
-              <a:solidFill>
-                <a:schemeClr val="dk1"/>
-              </a:solidFill>
-            </a:endParaRPr>
           </a:p>
           <a:p>
             <a:pPr marL="51000" lvl="0">
@@ -18742,11 +18712,6 @@
               </a:rPr>
               <a:t> state when they say state</a:t>
             </a:r>
-            <a:endParaRPr lang="en-GB" dirty="0" smtClean="0">
-              <a:solidFill>
-                <a:schemeClr val="dk1"/>
-              </a:solidFill>
-            </a:endParaRPr>
           </a:p>
         </p:txBody>
       </p:sp>
@@ -18992,11 +18957,6 @@
               </a:rPr>
               <a:t>FP simulates state with functional values</a:t>
             </a:r>
-            <a:endParaRPr lang="en-GB" dirty="0" smtClean="0">
-              <a:solidFill>
-                <a:schemeClr val="dk1"/>
-              </a:solidFill>
-            </a:endParaRPr>
           </a:p>
           <a:p>
             <a:pPr marL="432000" marR="0" lvl="0" indent="-381000" algn="l" rtl="0">
@@ -19075,11 +19035,6 @@
               </a:rPr>
               <a:t>Avoids many state-derived complexity issues</a:t>
             </a:r>
-            <a:endParaRPr lang="en-GB" dirty="0" smtClean="0">
-              <a:solidFill>
-                <a:schemeClr val="dk1"/>
-              </a:solidFill>
-            </a:endParaRPr>
           </a:p>
         </p:txBody>
       </p:sp>
@@ -19508,11 +19463,6 @@
               </a:rPr>
               <a:t>FP: the outcome of a function can be determined by examining its arguments</a:t>
             </a:r>
-            <a:endParaRPr lang="en-GB" dirty="0" smtClean="0">
-              <a:solidFill>
-                <a:schemeClr val="dk1"/>
-              </a:solidFill>
-            </a:endParaRPr>
           </a:p>
           <a:p>
             <a:pPr marL="432000" marR="0" lvl="0" indent="-381000" algn="l" rtl="0">
@@ -19948,11 +19898,6 @@
               </a:rPr>
               <a:t>Not derived from a von-Neumann architecture</a:t>
             </a:r>
-            <a:endParaRPr lang="en-GB" dirty="0" smtClean="0">
-              <a:solidFill>
-                <a:schemeClr val="dk1"/>
-              </a:solidFill>
-            </a:endParaRPr>
           </a:p>
           <a:p>
             <a:pPr marL="432000" marR="0" lvl="0" indent="-381000" algn="l" rtl="0">
@@ -20372,11 +20317,6 @@
               </a:rPr>
               <a:t>No mutable state</a:t>
             </a:r>
-            <a:endParaRPr lang="en-GB" dirty="0" smtClean="0">
-              <a:solidFill>
-                <a:schemeClr val="dk1"/>
-              </a:solidFill>
-            </a:endParaRPr>
           </a:p>
           <a:p>
             <a:pPr marL="432000" marR="0" lvl="0" indent="-381000" algn="l" rtl="0">
@@ -21566,11 +21506,6 @@
               </a:rPr>
               <a:t>Start with informal requirements from users</a:t>
             </a:r>
-            <a:endParaRPr lang="en-GB" dirty="0" smtClean="0">
-              <a:solidFill>
-                <a:schemeClr val="dk1"/>
-              </a:solidFill>
-            </a:endParaRPr>
           </a:p>
           <a:p>
             <a:pPr marL="432000" marR="0" lvl="0" indent="-381000" algn="l" rtl="0">
@@ -21990,11 +21925,6 @@
               </a:rPr>
               <a:t>No state</a:t>
             </a:r>
-            <a:endParaRPr lang="en-GB" dirty="0" smtClean="0">
-              <a:solidFill>
-                <a:schemeClr val="dk1"/>
-              </a:solidFill>
-            </a:endParaRPr>
           </a:p>
           <a:p>
             <a:pPr marL="432000" marR="0" lvl="0" indent="-381000" algn="l" rtl="0">
@@ -22073,11 +22003,6 @@
               </a:rPr>
               <a:t>Essential data does not necessarily imply essential state</a:t>
             </a:r>
-            <a:endParaRPr lang="en-GB" dirty="0" smtClean="0">
-              <a:solidFill>
-                <a:schemeClr val="dk1"/>
-              </a:solidFill>
-            </a:endParaRPr>
           </a:p>
         </p:txBody>
       </p:sp>
@@ -22506,11 +22431,6 @@
               </a:rPr>
               <a:t>System might need this data in the future</a:t>
             </a:r>
-            <a:endParaRPr lang="en-GB" dirty="0" smtClean="0">
-              <a:solidFill>
-                <a:schemeClr val="dk1"/>
-              </a:solidFill>
-            </a:endParaRPr>
           </a:p>
           <a:p>
             <a:pPr marL="432000" marR="0" lvl="0" indent="-381000" algn="l" rtl="0">
@@ -22537,11 +22457,6 @@
               </a:rPr>
               <a:t>System does not need this data in the future</a:t>
             </a:r>
-            <a:endParaRPr lang="en-GB" dirty="0" smtClean="0">
-              <a:solidFill>
-                <a:schemeClr val="dk1"/>
-              </a:solidFill>
-            </a:endParaRPr>
           </a:p>
         </p:txBody>
       </p:sp>
@@ -22871,11 +22786,6 @@
               </a:rPr>
               <a:t>Doesn’t need to be stored</a:t>
             </a:r>
-            <a:endParaRPr lang="en-GB" sz="2000" dirty="0" smtClean="0">
-              <a:solidFill>
-                <a:schemeClr val="dk1"/>
-              </a:solidFill>
-            </a:endParaRPr>
           </a:p>
           <a:p>
             <a:pPr marL="432000" marR="0" lvl="0" indent="-381000" algn="l" rtl="0">
@@ -22918,12 +22828,20 @@
               <a:buFont typeface="Cabin"/>
             </a:pPr>
             <a:r>
+              <a:rPr lang="en-GB" sz="2000" smtClean="0">
+                <a:solidFill>
+                  <a:schemeClr val="dk1"/>
+                </a:solidFill>
+              </a:rPr>
+              <a:t>Used </a:t>
+            </a:r>
+            <a:r>
               <a:rPr lang="en-GB" sz="2000" dirty="0" smtClean="0">
                 <a:solidFill>
                   <a:schemeClr val="dk1"/>
                 </a:solidFill>
               </a:rPr>
-              <a:t>Users where data cannot be easily re-derived from input data</a:t>
+              <a:t>where data cannot be easily re-derived from input data</a:t>
             </a:r>
           </a:p>
           <a:p>
@@ -22951,11 +22869,6 @@
               </a:rPr>
               <a:t>Both are cases of accidental state</a:t>
             </a:r>
-            <a:endParaRPr lang="en-GB" sz="2000" dirty="0" smtClean="0">
-              <a:solidFill>
-                <a:schemeClr val="dk1"/>
-              </a:solidFill>
-            </a:endParaRPr>
           </a:p>
         </p:txBody>
       </p:sp>
@@ -23871,11 +23784,6 @@
               </a:rPr>
               <a:t>Some essential state is unavoidable</a:t>
             </a:r>
-            <a:endParaRPr lang="en-GB" dirty="0" smtClean="0">
-              <a:solidFill>
-                <a:schemeClr val="dk1"/>
-              </a:solidFill>
-            </a:endParaRPr>
           </a:p>
           <a:p>
             <a:pPr marL="432000" marR="0" lvl="0" indent="-381000" algn="l" rtl="0">
@@ -24295,11 +24203,6 @@
               </a:rPr>
               <a:t>Formal specifications are essentially the same as formal requirements</a:t>
             </a:r>
-            <a:endParaRPr lang="en-GB" dirty="0" smtClean="0">
-              <a:solidFill>
-                <a:schemeClr val="dk1"/>
-              </a:solidFill>
-            </a:endParaRPr>
           </a:p>
           <a:p>
             <a:pPr marL="432000" marR="0" lvl="0" indent="-381000" algn="l" rtl="0">
@@ -24326,11 +24229,6 @@
               </a:rPr>
               <a:t>Formal specifications should ideally derive entirely from users’ informal requirements</a:t>
             </a:r>
-            <a:endParaRPr lang="en-GB" dirty="0" smtClean="0">
-              <a:solidFill>
-                <a:schemeClr val="dk1"/>
-              </a:solidFill>
-            </a:endParaRPr>
           </a:p>
         </p:txBody>
       </p:sp>
@@ -25060,11 +24958,6 @@
               </a:rPr>
               <a:t>Accidental state may be required for performance or ease of expression</a:t>
             </a:r>
-            <a:endParaRPr lang="en-GB" dirty="0" smtClean="0">
-              <a:solidFill>
-                <a:schemeClr val="dk1"/>
-              </a:solidFill>
-            </a:endParaRPr>
           </a:p>
         </p:txBody>
       </p:sp>
@@ -26561,11 +26454,6 @@
               </a:rPr>
               <a:t>Separate accidental complexity from essential complexity</a:t>
             </a:r>
-            <a:endParaRPr lang="en-GB" dirty="0" smtClean="0">
-              <a:solidFill>
-                <a:schemeClr val="dk1"/>
-              </a:solidFill>
-            </a:endParaRPr>
           </a:p>
         </p:txBody>
       </p:sp>
@@ -26959,11 +26847,6 @@
               </a:rPr>
               <a:t>Declare the accidental state, and leave it to a separate infrastructure</a:t>
             </a:r>
-            <a:endParaRPr lang="en-GB" dirty="0" smtClean="0">
-              <a:solidFill>
-                <a:schemeClr val="dk1"/>
-              </a:solidFill>
-            </a:endParaRPr>
           </a:p>
         </p:txBody>
       </p:sp>
@@ -27330,11 +27213,6 @@
               </a:rPr>
               <a:t>This gets further partitioned into accidental and essential</a:t>
             </a:r>
-            <a:endParaRPr lang="en-GB" dirty="0" smtClean="0">
-              <a:solidFill>
-                <a:schemeClr val="dk1"/>
-              </a:solidFill>
-            </a:endParaRPr>
           </a:p>
         </p:txBody>
       </p:sp>
@@ -27786,11 +27664,6 @@
               </a:rPr>
               <a:t>It could however be unacceptably inefficient</a:t>
             </a:r>
-            <a:endParaRPr lang="en-GB" dirty="0" smtClean="0">
-              <a:solidFill>
-                <a:schemeClr val="dk1"/>
-              </a:solidFill>
-            </a:endParaRPr>
           </a:p>
         </p:txBody>
       </p:sp>
